--- a/발표자료/도전이 바꾼 취업 루트.pptx
+++ b/발표자료/도전이 바꾼 취업 루트.pptx
@@ -267,7 +267,7 @@
           <a:p>
             <a:fld id="{6E522A81-AC29-4F5A-8179-1C07CF96D750}" type="datetimeFigureOut">
               <a:rPr lang="ko-KR" altLang="en-US" smtClean="0"/>
-              <a:t>11/30/2021</a:t>
+              <a:t>12/1/2021</a:t>
             </a:fld>
             <a:endParaRPr lang="ko-KR" altLang="en-US"/>
           </a:p>
@@ -465,7 +465,7 @@
           <a:p>
             <a:fld id="{6E522A81-AC29-4F5A-8179-1C07CF96D750}" type="datetimeFigureOut">
               <a:rPr lang="ko-KR" altLang="en-US" smtClean="0"/>
-              <a:t>11/30/2021</a:t>
+              <a:t>12/1/2021</a:t>
             </a:fld>
             <a:endParaRPr lang="ko-KR" altLang="en-US"/>
           </a:p>
@@ -673,7 +673,7 @@
           <a:p>
             <a:fld id="{6E522A81-AC29-4F5A-8179-1C07CF96D750}" type="datetimeFigureOut">
               <a:rPr lang="ko-KR" altLang="en-US" smtClean="0"/>
-              <a:t>11/30/2021</a:t>
+              <a:t>12/1/2021</a:t>
             </a:fld>
             <a:endParaRPr lang="ko-KR" altLang="en-US"/>
           </a:p>
@@ -871,7 +871,7 @@
           <a:p>
             <a:fld id="{6E522A81-AC29-4F5A-8179-1C07CF96D750}" type="datetimeFigureOut">
               <a:rPr lang="ko-KR" altLang="en-US" smtClean="0"/>
-              <a:t>11/30/2021</a:t>
+              <a:t>12/1/2021</a:t>
             </a:fld>
             <a:endParaRPr lang="ko-KR" altLang="en-US"/>
           </a:p>
@@ -1146,7 +1146,7 @@
           <a:p>
             <a:fld id="{6E522A81-AC29-4F5A-8179-1C07CF96D750}" type="datetimeFigureOut">
               <a:rPr lang="ko-KR" altLang="en-US" smtClean="0"/>
-              <a:t>11/30/2021</a:t>
+              <a:t>12/1/2021</a:t>
             </a:fld>
             <a:endParaRPr lang="ko-KR" altLang="en-US"/>
           </a:p>
@@ -1411,7 +1411,7 @@
           <a:p>
             <a:fld id="{6E522A81-AC29-4F5A-8179-1C07CF96D750}" type="datetimeFigureOut">
               <a:rPr lang="ko-KR" altLang="en-US" smtClean="0"/>
-              <a:t>11/30/2021</a:t>
+              <a:t>12/1/2021</a:t>
             </a:fld>
             <a:endParaRPr lang="ko-KR" altLang="en-US"/>
           </a:p>
@@ -1823,7 +1823,7 @@
           <a:p>
             <a:fld id="{6E522A81-AC29-4F5A-8179-1C07CF96D750}" type="datetimeFigureOut">
               <a:rPr lang="ko-KR" altLang="en-US" smtClean="0"/>
-              <a:t>11/30/2021</a:t>
+              <a:t>12/1/2021</a:t>
             </a:fld>
             <a:endParaRPr lang="ko-KR" altLang="en-US"/>
           </a:p>
@@ -1964,7 +1964,7 @@
           <a:p>
             <a:fld id="{6E522A81-AC29-4F5A-8179-1C07CF96D750}" type="datetimeFigureOut">
               <a:rPr lang="ko-KR" altLang="en-US" smtClean="0"/>
-              <a:t>11/30/2021</a:t>
+              <a:t>12/1/2021</a:t>
             </a:fld>
             <a:endParaRPr lang="ko-KR" altLang="en-US"/>
           </a:p>
@@ -2077,7 +2077,7 @@
           <a:p>
             <a:fld id="{6E522A81-AC29-4F5A-8179-1C07CF96D750}" type="datetimeFigureOut">
               <a:rPr lang="ko-KR" altLang="en-US" smtClean="0"/>
-              <a:t>11/30/2021</a:t>
+              <a:t>12/1/2021</a:t>
             </a:fld>
             <a:endParaRPr lang="ko-KR" altLang="en-US"/>
           </a:p>
@@ -2388,7 +2388,7 @@
           <a:p>
             <a:fld id="{6E522A81-AC29-4F5A-8179-1C07CF96D750}" type="datetimeFigureOut">
               <a:rPr lang="ko-KR" altLang="en-US" smtClean="0"/>
-              <a:t>11/30/2021</a:t>
+              <a:t>12/1/2021</a:t>
             </a:fld>
             <a:endParaRPr lang="ko-KR" altLang="en-US"/>
           </a:p>
@@ -2676,7 +2676,7 @@
           <a:p>
             <a:fld id="{6E522A81-AC29-4F5A-8179-1C07CF96D750}" type="datetimeFigureOut">
               <a:rPr lang="ko-KR" altLang="en-US" smtClean="0"/>
-              <a:t>11/30/2021</a:t>
+              <a:t>12/1/2021</a:t>
             </a:fld>
             <a:endParaRPr lang="ko-KR" altLang="en-US"/>
           </a:p>
@@ -2917,7 +2917,7 @@
           <a:p>
             <a:fld id="{6E522A81-AC29-4F5A-8179-1C07CF96D750}" type="datetimeFigureOut">
               <a:rPr lang="ko-KR" altLang="en-US" smtClean="0"/>
-              <a:t>11/30/2021</a:t>
+              <a:t>12/1/2021</a:t>
             </a:fld>
             <a:endParaRPr lang="ko-KR" altLang="en-US"/>
           </a:p>
@@ -3847,7 +3847,7 @@
           <a:p>
             <a:r>
               <a:rPr lang="en-US" altLang="ko-KR" dirty="0"/>
-              <a:t>                  </a:t>
+              <a:t>  </a:t>
             </a:r>
             <a:r>
               <a:rPr lang="ko-KR" altLang="en-US" dirty="0"/>
@@ -3992,13 +3992,13 @@
             </a:r>
             <a:r>
               <a:rPr lang="en-US" altLang="ko-KR" dirty="0"/>
-              <a:t>(90%) + CS(10%)</a:t>
+              <a:t>(80%) + CS(20%)</a:t>
             </a:r>
           </a:p>
           <a:p>
             <a:r>
               <a:rPr lang="ko-KR" altLang="en-US" dirty="0"/>
-              <a:t>                  </a:t>
+              <a:t>  </a:t>
             </a:r>
             <a:r>
               <a:rPr lang="ko-KR" altLang="en-US" dirty="0" err="1"/>
@@ -4006,15 +4006,7 @@
             </a:r>
             <a:r>
               <a:rPr lang="ko-KR" altLang="en-US" dirty="0"/>
-              <a:t> </a:t>
-            </a:r>
-            <a:r>
-              <a:rPr lang="ko-KR" altLang="en-US" dirty="0">
-                <a:solidFill>
-                  <a:srgbClr val="00B0F0"/>
-                </a:solidFill>
-              </a:rPr>
-              <a:t>포트폴리오</a:t>
+              <a:t> 포트폴리오</a:t>
             </a:r>
           </a:p>
         </p:txBody>
@@ -4135,11 +4127,15 @@
           <a:p>
             <a:r>
               <a:rPr lang="en-US" altLang="ko-KR" dirty="0"/>
-              <a:t>                  </a:t>
+              <a:t>  </a:t>
             </a:r>
             <a:r>
               <a:rPr lang="ko-KR" altLang="en-US" dirty="0"/>
-              <a:t>ㄴ </a:t>
+              <a:t>ㄴ 포트폴리오 </a:t>
+            </a:r>
+            <a:r>
+              <a:rPr lang="en-US" altLang="ko-KR" dirty="0"/>
+              <a:t>+ </a:t>
             </a:r>
             <a:r>
               <a:rPr lang="ko-KR" altLang="en-US" dirty="0">
@@ -4252,11 +4248,19 @@
           <a:p>
             <a:r>
               <a:rPr lang="en-US" altLang="ko-KR" dirty="0"/>
-              <a:t>                  </a:t>
+              <a:t>  </a:t>
             </a:r>
             <a:r>
               <a:rPr lang="ko-KR" altLang="en-US" dirty="0"/>
-              <a:t>ㄴ 코딩 테스트 </a:t>
+              <a:t>ㄴ 포트폴리오 </a:t>
+            </a:r>
+            <a:r>
+              <a:rPr lang="en-US" altLang="ko-KR" dirty="0"/>
+              <a:t>+ </a:t>
+            </a:r>
+            <a:r>
+              <a:rPr lang="ko-KR" altLang="en-US" dirty="0"/>
+              <a:t>코딩 테스트 </a:t>
             </a:r>
             <a:r>
               <a:rPr lang="en-US" altLang="ko-KR" dirty="0"/>
@@ -4412,17 +4416,25 @@
             </a:r>
             <a:r>
               <a:rPr lang="en-US" altLang="ko-KR" dirty="0"/>
-              <a:t>(40%) + CS(60%)</a:t>
+              <a:t>(35%) + CS(65%)</a:t>
             </a:r>
           </a:p>
           <a:p>
             <a:r>
               <a:rPr lang="en-US" altLang="ko-KR" dirty="0"/>
-              <a:t>                  </a:t>
+              <a:t>  </a:t>
             </a:r>
             <a:r>
               <a:rPr lang="ko-KR" altLang="en-US" dirty="0"/>
-              <a:t>ㄴ 코딩 테스트 </a:t>
+              <a:t>ㄴ 포트폴리오 </a:t>
+            </a:r>
+            <a:r>
+              <a:rPr lang="en-US" altLang="ko-KR" dirty="0"/>
+              <a:t>+</a:t>
+            </a:r>
+            <a:r>
+              <a:rPr lang="ko-KR" altLang="en-US" dirty="0"/>
+              <a:t>코딩 테스트 </a:t>
             </a:r>
             <a:r>
               <a:rPr lang="en-US" altLang="ko-KR" dirty="0"/>
@@ -5466,13 +5478,12 @@
           </p:cNvPr>
           <p:cNvCxnSpPr>
             <a:cxnSpLocks/>
-            <a:endCxn id="47" idx="4"/>
           </p:cNvCxnSpPr>
           <p:nvPr/>
         </p:nvCxnSpPr>
         <p:spPr>
           <a:xfrm flipH="1" flipV="1">
-            <a:off x="5279471" y="2477549"/>
+            <a:off x="5381536" y="2477549"/>
             <a:ext cx="415514" cy="635467"/>
           </a:xfrm>
           <a:prstGeom prst="line">
